--- a/SET_at_LINE_ja.pptx
+++ b/SET_at_LINE_ja.pptx
@@ -149,7 +149,7 @@
   </p:defaultTextStyle>
   <p:extLst>
     <p:ext uri="{EFAFB233-063F-42B5-8137-9DF3F51BA10A}">
-      <p15:sldGuideLst xmlns:p15="http://schemas.microsoft.com/office/powerpoint/2012/main" xmlns="">
+      <p15:sldGuideLst xmlns="" xmlns:p15="http://schemas.microsoft.com/office/powerpoint/2012/main">
         <p15:guide id="1" orient="horz" pos="2160">
           <p15:clr>
             <a:srgbClr val="A4A3A4"/>
@@ -9183,14 +9183,62 @@
                 <a:ea typeface="ヒラギノ角ゴ ProN W6"/>
                 <a:cs typeface="ヒラギノ角ゴ ProN W6"/>
               </a:rPr>
-              <a:t>感じた</a:t>
-            </a:r>
+              <a:t>感じた。</a:t>
+            </a:r>
+            <a:endParaRPr lang="en-US" altLang="ja-JP" sz="2000" dirty="0" smtClean="0">
+              <a:latin typeface="ヒラギノ角ゴ ProN W6"/>
+              <a:ea typeface="ヒラギノ角ゴ ProN W6"/>
+              <a:cs typeface="ヒラギノ角ゴ ProN W6"/>
+            </a:endParaRPr>
+          </a:p>
+          <a:p>
+            <a:pPr marL="903288" lvl="1" indent="-390525"/>
             <a:r>
               <a:rPr lang="ja-JP" altLang="en-US" sz="2000" dirty="0" smtClean="0">
                 <a:latin typeface="ヒラギノ角ゴ ProN W6"/>
                 <a:ea typeface="ヒラギノ角ゴ ProN W6"/>
                 <a:cs typeface="ヒラギノ角ゴ ProN W6"/>
               </a:rPr>
+              <a:t>過去</a:t>
+            </a:r>
+            <a:r>
+              <a:rPr lang="ja-JP" altLang="en-US" sz="2000" dirty="0">
+                <a:latin typeface="ヒラギノ角ゴ ProN W6"/>
+                <a:ea typeface="ヒラギノ角ゴ ProN W6"/>
+                <a:cs typeface="ヒラギノ角ゴ ProN W6"/>
+              </a:rPr>
+              <a:t>にテスト自動化・</a:t>
+            </a:r>
+            <a:r>
+              <a:rPr lang="en-US" altLang="ja-JP" sz="2000" dirty="0" smtClean="0">
+                <a:latin typeface="ヒラギノ角ゴ ProN W6"/>
+                <a:ea typeface="ヒラギノ角ゴ ProN W6"/>
+                <a:cs typeface="ヒラギノ角ゴ ProN W6"/>
+              </a:rPr>
+              <a:t>DevOps</a:t>
+            </a:r>
+            <a:r>
+              <a:rPr lang="ja-JP" altLang="en-US" sz="2000" dirty="0" smtClean="0">
+                <a:latin typeface="ヒラギノ角ゴ ProN W6"/>
+                <a:ea typeface="ヒラギノ角ゴ ProN W6"/>
+                <a:cs typeface="ヒラギノ角ゴ ProN W6"/>
+              </a:rPr>
+              <a:t>を</a:t>
+            </a:r>
+            <a:r>
+              <a:rPr lang="ja-JP" altLang="en-US" sz="2000" dirty="0">
+                <a:latin typeface="ヒラギノ角ゴ ProN W6"/>
+                <a:ea typeface="ヒラギノ角ゴ ProN W6"/>
+                <a:cs typeface="ヒラギノ角ゴ ProN W6"/>
+              </a:rPr>
+              <a:t>活用してビジネスを成功させてきた経験・実績があるため、成功する自信があった</a:t>
+            </a:r>
+            <a:r>
+              <a:rPr lang="ja-JP" altLang="en-US" sz="2000" dirty="0" smtClean="0">
+                <a:latin typeface="ヒラギノ角ゴ ProN W6"/>
+                <a:ea typeface="ヒラギノ角ゴ ProN W6"/>
+                <a:cs typeface="ヒラギノ角ゴ ProN W6"/>
+              </a:rPr>
               <a:t>。</a:t>
             </a:r>
             <a:endParaRPr lang="en-US" altLang="ja-JP" sz="2000" dirty="0" smtClean="0">
@@ -9202,12 +9250,20 @@
           <a:p>
             <a:pPr marL="903288" lvl="1" indent="-390525"/>
             <a:r>
+              <a:rPr lang="en-US" altLang="ja-JP" sz="2000" dirty="0" smtClean="0">
+                <a:latin typeface="ヒラギノ角ゴ ProN W6"/>
+                <a:ea typeface="ヒラギノ角ゴ ProN W6"/>
+                <a:cs typeface="ヒラギノ角ゴ ProN W6"/>
+              </a:rPr>
+              <a:t>LINE</a:t>
+            </a:r>
+            <a:r>
               <a:rPr lang="ja-JP" altLang="en-US" sz="2000" dirty="0" smtClean="0">
                 <a:latin typeface="ヒラギノ角ゴ ProN W6"/>
                 <a:ea typeface="ヒラギノ角ゴ ProN W6"/>
                 <a:cs typeface="ヒラギノ角ゴ ProN W6"/>
               </a:rPr>
-              <a:t>過去</a:t>
+              <a:t>と</a:t>
             </a:r>
             <a:r>
               <a:rPr lang="ja-JP" altLang="en-US" sz="2000" dirty="0">
@@ -9215,55 +9271,7 @@
                 <a:ea typeface="ヒラギノ角ゴ ProN W6"/>
                 <a:cs typeface="ヒラギノ角ゴ ProN W6"/>
               </a:rPr>
-              <a:t>にテスト自動化・</a:t>
-            </a:r>
-            <a:r>
-              <a:rPr lang="en-US" altLang="ja-JP" sz="2000" dirty="0">
-                <a:latin typeface="ヒラギノ角ゴ ProN W6"/>
-                <a:ea typeface="ヒラギノ角ゴ ProN W6"/>
-                <a:cs typeface="ヒラギノ角ゴ ProN W6"/>
-              </a:rPr>
-              <a:t>DevOps </a:t>
-            </a:r>
-            <a:r>
-              <a:rPr lang="ja-JP" altLang="en-US" sz="2000" dirty="0">
-                <a:latin typeface="ヒラギノ角ゴ ProN W6"/>
-                <a:ea typeface="ヒラギノ角ゴ ProN W6"/>
-                <a:cs typeface="ヒラギノ角ゴ ProN W6"/>
-              </a:rPr>
-              <a:t>を活用してビジネスを成功させてきた経験・実績があるため、成功する自信があった</a:t>
-            </a:r>
-            <a:r>
-              <a:rPr lang="ja-JP" altLang="en-US" sz="2000" dirty="0" smtClean="0">
-                <a:latin typeface="ヒラギノ角ゴ ProN W6"/>
-                <a:ea typeface="ヒラギノ角ゴ ProN W6"/>
-                <a:cs typeface="ヒラギノ角ゴ ProN W6"/>
-              </a:rPr>
-              <a:t>。</a:t>
-            </a:r>
-            <a:endParaRPr lang="en-US" altLang="ja-JP" sz="2000" dirty="0" smtClean="0">
-              <a:latin typeface="ヒラギノ角ゴ ProN W6"/>
-              <a:ea typeface="ヒラギノ角ゴ ProN W6"/>
-              <a:cs typeface="ヒラギノ角ゴ ProN W6"/>
-            </a:endParaRPr>
-          </a:p>
-          <a:p>
-            <a:pPr marL="903288" lvl="1" indent="-390525"/>
-            <a:r>
-              <a:rPr lang="en-US" altLang="ja-JP" sz="2000" dirty="0" smtClean="0">
-                <a:latin typeface="ヒラギノ角ゴ ProN W6"/>
-                <a:ea typeface="ヒラギノ角ゴ ProN W6"/>
-                <a:cs typeface="ヒラギノ角ゴ ProN W6"/>
-              </a:rPr>
-              <a:t>LINE </a:t>
-            </a:r>
-            <a:r>
-              <a:rPr lang="ja-JP" altLang="en-US" sz="2000" dirty="0">
-                <a:latin typeface="ヒラギノ角ゴ ProN W6"/>
-                <a:ea typeface="ヒラギノ角ゴ ProN W6"/>
-                <a:cs typeface="ヒラギノ角ゴ ProN W6"/>
-              </a:rPr>
-              <a:t>というグローバルかつ多くの人々の生活インフラとなっているサービスに、自身が</a:t>
+              <a:t>いうグローバルかつ多くの人々の生活インフラとなっているサービスに、自身が</a:t>
             </a:r>
             <a:r>
               <a:rPr lang="ja-JP" altLang="en-US" sz="2000" b="1" dirty="0">
@@ -23857,12 +23865,20 @@
           <a:p>
             <a:pPr marL="1154105" lvl="3" indent="-298450"/>
             <a:r>
-              <a:rPr lang="en-US" altLang="ja-JP" sz="2000" dirty="0">
-                <a:latin typeface="ヒラギノ角ゴ ProN W6"/>
-                <a:ea typeface="ヒラギノ角ゴ ProN W6"/>
-                <a:cs typeface="ヒラギノ角ゴ ProN W6"/>
-              </a:rPr>
-              <a:t>FW</a:t>
+              <a:rPr lang="ja-JP" altLang="en-US" sz="2000" dirty="0" smtClean="0">
+                <a:latin typeface="ヒラギノ角ゴ ProN W6"/>
+                <a:ea typeface="ヒラギノ角ゴ ProN W6"/>
+                <a:cs typeface="ヒラギノ角ゴ ProN W6"/>
+              </a:rPr>
+              <a:t>フレームワーク</a:t>
+            </a:r>
+            <a:r>
+              <a:rPr lang="ja-JP" altLang="en-US" sz="2000" dirty="0" smtClean="0">
+                <a:latin typeface="ヒラギノ角ゴ ProN W6"/>
+                <a:ea typeface="ヒラギノ角ゴ ProN W6"/>
+                <a:cs typeface="ヒラギノ角ゴ ProN W6"/>
+              </a:rPr>
+              <a:t>・</a:t>
             </a:r>
             <a:r>
               <a:rPr lang="ja-JP" altLang="en-US" sz="2000" dirty="0">
@@ -23870,7 +23886,7 @@
                 <a:ea typeface="ヒラギノ角ゴ ProN W6"/>
                 <a:cs typeface="ヒラギノ角ゴ ProN W6"/>
               </a:rPr>
-              <a:t>・ミドルウェア・プロセス</a:t>
+              <a:t>ミドルウェア・プロセス</a:t>
             </a:r>
             <a:r>
               <a:rPr lang="ja-JP" altLang="en-US" sz="2000" dirty="0" smtClean="0">
@@ -24288,20 +24304,20 @@
           <a:p>
             <a:pPr marL="1154105" lvl="3" indent="-298450"/>
             <a:r>
-              <a:rPr lang="en-US" altLang="ja-JP" sz="2000" dirty="0">
-                <a:latin typeface="ヒラギノ角ゴ ProN W6"/>
-                <a:ea typeface="ヒラギノ角ゴ ProN W6"/>
-                <a:cs typeface="ヒラギノ角ゴ ProN W6"/>
-              </a:rPr>
-              <a:t>FW</a:t>
-            </a:r>
-            <a:r>
               <a:rPr lang="ja-JP" altLang="en-US" sz="2000" dirty="0">
                 <a:latin typeface="ヒラギノ角ゴ ProN W6"/>
                 <a:ea typeface="ヒラギノ角ゴ ProN W6"/>
                 <a:cs typeface="ヒラギノ角ゴ ProN W6"/>
               </a:rPr>
-              <a:t>・ミドルウェア・プロセス</a:t>
+              <a:t>フレームワーク・</a:t>
+            </a:r>
+            <a:r>
+              <a:rPr lang="ja-JP" altLang="en-US" sz="2000" dirty="0">
+                <a:latin typeface="ヒラギノ角ゴ ProN W6"/>
+                <a:ea typeface="ヒラギノ角ゴ ProN W6"/>
+                <a:cs typeface="ヒラギノ角ゴ ProN W6"/>
+              </a:rPr>
+              <a:t>ミドルウェア・プロセス</a:t>
             </a:r>
             <a:r>
               <a:rPr lang="ja-JP" altLang="en-US" sz="2000" dirty="0" smtClean="0">
@@ -24435,7 +24451,7 @@
         </p:nvSpPr>
         <p:spPr>
           <a:xfrm rot="20700000">
-            <a:off x="643343" y="2529976"/>
+            <a:off x="704544" y="2529976"/>
             <a:ext cx="7886700" cy="1800000"/>
           </a:xfrm>
           <a:prstGeom prst="rect">
@@ -26503,7 +26519,7 @@
   <a:extraClrSchemeLst/>
   <a:extLst>
     <a:ext uri="{05A4C25C-085E-4340-85A3-A5531E510DB2}">
-      <thm15:themeFamily xmlns:thm15="http://schemas.microsoft.com/office/thememl/2012/main" xmlns="" name="プレゼンテーション5" id="{635F5DAF-CAC2-7442-AA3A-C2EB436D7EA4}" vid="{EDE04049-9C0B-7A42-88BF-C34543A26365}"/>
+      <thm15:themeFamily xmlns="" xmlns:thm15="http://schemas.microsoft.com/office/thememl/2012/main" name="プレゼンテーション5" id="{635F5DAF-CAC2-7442-AA3A-C2EB436D7EA4}" vid="{EDE04049-9C0B-7A42-88BF-C34543A26365}"/>
     </a:ext>
   </a:extLst>
 </a:theme>
@@ -26756,7 +26772,7 @@
   <a:extraClrSchemeLst/>
   <a:extLst>
     <a:ext uri="{05A4C25C-085E-4340-85A3-A5531E510DB2}">
-      <thm15:themeFamily xmlns:thm15="http://schemas.microsoft.com/office/thememl/2012/main" xmlns="" name="プレゼンテーション5" id="{635F5DAF-CAC2-7442-AA3A-C2EB436D7EA4}" vid="{A7687B34-BA34-1C4A-8369-B92120B45902}"/>
+      <thm15:themeFamily xmlns="" xmlns:thm15="http://schemas.microsoft.com/office/thememl/2012/main" name="プレゼンテーション5" id="{635F5DAF-CAC2-7442-AA3A-C2EB436D7EA4}" vid="{A7687B34-BA34-1C4A-8369-B92120B45902}"/>
     </a:ext>
   </a:extLst>
 </a:theme>
@@ -27017,7 +27033,7 @@
   <a:extraClrSchemeLst/>
   <a:extLst>
     <a:ext uri="{05A4C25C-085E-4340-85A3-A5531E510DB2}">
-      <thm15:themeFamily xmlns:thm15="http://schemas.microsoft.com/office/thememl/2012/main" xmlns="" name="Office Theme" id="{62F939B6-93AF-4DB8-9C6B-D6C7DFDC589F}" vid="{4A3C46E8-61CC-4603-A589-7422A47A8E4A}"/>
+      <thm15:themeFamily xmlns="" xmlns:thm15="http://schemas.microsoft.com/office/thememl/2012/main" name="Office Theme" id="{62F939B6-93AF-4DB8-9C6B-D6C7DFDC589F}" vid="{4A3C46E8-61CC-4603-A589-7422A47A8E4A}"/>
     </a:ext>
   </a:extLst>
 </a:theme>
